--- a/Experiment1.pptx
+++ b/Experiment1.pptx
@@ -12230,7 +12230,7 @@
           <a:p>
             <a:fld id="{EF9050F2-8D7C-415A-AA29-920B8C1BD8E6}" type="datetimeFigureOut">
               <a:rPr lang="en-US" smtClean="0"/>
-              <a:t>1/13/2024</a:t>
+              <a:t>1/27/2024</a:t>
             </a:fld>
             <a:endParaRPr lang="en-US"/>
           </a:p>
@@ -12428,7 +12428,7 @@
           <a:p>
             <a:fld id="{EF9050F2-8D7C-415A-AA29-920B8C1BD8E6}" type="datetimeFigureOut">
               <a:rPr lang="en-US" smtClean="0"/>
-              <a:t>1/13/2024</a:t>
+              <a:t>1/27/2024</a:t>
             </a:fld>
             <a:endParaRPr lang="en-US"/>
           </a:p>
@@ -12636,7 +12636,7 @@
           <a:p>
             <a:fld id="{EF9050F2-8D7C-415A-AA29-920B8C1BD8E6}" type="datetimeFigureOut">
               <a:rPr lang="en-US" smtClean="0"/>
-              <a:t>1/13/2024</a:t>
+              <a:t>1/27/2024</a:t>
             </a:fld>
             <a:endParaRPr lang="en-US"/>
           </a:p>
@@ -12834,7 +12834,7 @@
           <a:p>
             <a:fld id="{EF9050F2-8D7C-415A-AA29-920B8C1BD8E6}" type="datetimeFigureOut">
               <a:rPr lang="en-US" smtClean="0"/>
-              <a:t>1/13/2024</a:t>
+              <a:t>1/27/2024</a:t>
             </a:fld>
             <a:endParaRPr lang="en-US"/>
           </a:p>
@@ -13109,7 +13109,7 @@
           <a:p>
             <a:fld id="{EF9050F2-8D7C-415A-AA29-920B8C1BD8E6}" type="datetimeFigureOut">
               <a:rPr lang="en-US" smtClean="0"/>
-              <a:t>1/13/2024</a:t>
+              <a:t>1/27/2024</a:t>
             </a:fld>
             <a:endParaRPr lang="en-US"/>
           </a:p>
@@ -13374,7 +13374,7 @@
           <a:p>
             <a:fld id="{EF9050F2-8D7C-415A-AA29-920B8C1BD8E6}" type="datetimeFigureOut">
               <a:rPr lang="en-US" smtClean="0"/>
-              <a:t>1/13/2024</a:t>
+              <a:t>1/27/2024</a:t>
             </a:fld>
             <a:endParaRPr lang="en-US"/>
           </a:p>
@@ -13786,7 +13786,7 @@
           <a:p>
             <a:fld id="{EF9050F2-8D7C-415A-AA29-920B8C1BD8E6}" type="datetimeFigureOut">
               <a:rPr lang="en-US" smtClean="0"/>
-              <a:t>1/13/2024</a:t>
+              <a:t>1/27/2024</a:t>
             </a:fld>
             <a:endParaRPr lang="en-US"/>
           </a:p>
@@ -13927,7 +13927,7 @@
           <a:p>
             <a:fld id="{EF9050F2-8D7C-415A-AA29-920B8C1BD8E6}" type="datetimeFigureOut">
               <a:rPr lang="en-US" smtClean="0"/>
-              <a:t>1/13/2024</a:t>
+              <a:t>1/27/2024</a:t>
             </a:fld>
             <a:endParaRPr lang="en-US"/>
           </a:p>
@@ -14040,7 +14040,7 @@
           <a:p>
             <a:fld id="{EF9050F2-8D7C-415A-AA29-920B8C1BD8E6}" type="datetimeFigureOut">
               <a:rPr lang="en-US" smtClean="0"/>
-              <a:t>1/13/2024</a:t>
+              <a:t>1/27/2024</a:t>
             </a:fld>
             <a:endParaRPr lang="en-US"/>
           </a:p>
@@ -14351,7 +14351,7 @@
           <a:p>
             <a:fld id="{EF9050F2-8D7C-415A-AA29-920B8C1BD8E6}" type="datetimeFigureOut">
               <a:rPr lang="en-US" smtClean="0"/>
-              <a:t>1/13/2024</a:t>
+              <a:t>1/27/2024</a:t>
             </a:fld>
             <a:endParaRPr lang="en-US"/>
           </a:p>
@@ -14639,7 +14639,7 @@
           <a:p>
             <a:fld id="{EF9050F2-8D7C-415A-AA29-920B8C1BD8E6}" type="datetimeFigureOut">
               <a:rPr lang="en-US" smtClean="0"/>
-              <a:t>1/13/2024</a:t>
+              <a:t>1/27/2024</a:t>
             </a:fld>
             <a:endParaRPr lang="en-US"/>
           </a:p>
@@ -14880,7 +14880,7 @@
           <a:p>
             <a:fld id="{EF9050F2-8D7C-415A-AA29-920B8C1BD8E6}" type="datetimeFigureOut">
               <a:rPr lang="en-US" smtClean="0"/>
-              <a:t>1/13/2024</a:t>
+              <a:t>1/27/2024</a:t>
             </a:fld>
             <a:endParaRPr lang="en-US"/>
           </a:p>
@@ -24264,8 +24264,8 @@
           </p:sp>
         </mc:Fallback>
       </mc:AlternateContent>
-      <mc:AlternateContent xmlns:mc="http://schemas.openxmlformats.org/markup-compatibility/2006" xmlns:a14="http://schemas.microsoft.com/office/drawing/2010/main">
-        <mc:Choice Requires="a14">
+      <mc:AlternateContent xmlns:mc="http://schemas.openxmlformats.org/markup-compatibility/2006">
+        <mc:Choice xmlns:a14="http://schemas.microsoft.com/office/drawing/2010/main" Requires="a14">
           <p:sp>
             <p:nvSpPr>
               <p:cNvPr id="5" name="TextBox 4">
@@ -24280,7 +24280,7 @@
             </p:nvSpPr>
             <p:spPr>
               <a:xfrm>
-                <a:off x="5664613" y="3291840"/>
+                <a:off x="8655463" y="824794"/>
                 <a:ext cx="2401875" cy="276999"/>
               </a:xfrm>
               <a:prstGeom prst="rect">
@@ -24380,7 +24380,7 @@
             </p:txBody>
           </p:sp>
         </mc:Choice>
-        <mc:Fallback xmlns="">
+        <mc:Fallback>
           <p:sp>
             <p:nvSpPr>
               <p:cNvPr id="5" name="TextBox 4">
@@ -24397,7 +24397,7 @@
             </p:nvSpPr>
             <p:spPr>
               <a:xfrm>
-                <a:off x="5664613" y="3291840"/>
+                <a:off x="8655463" y="824794"/>
                 <a:ext cx="2401875" cy="276999"/>
               </a:xfrm>
               <a:prstGeom prst="rect">
@@ -24406,7 +24406,226 @@
               <a:blipFill>
                 <a:blip r:embed="rId5"/>
                 <a:stretch>
-                  <a:fillRect l="-1523" t="-2222" r="-1777" b="-35556"/>
+                  <a:fillRect l="-1777" t="-2174" r="-1777" b="-32609"/>
+                </a:stretch>
+              </a:blipFill>
+            </p:spPr>
+            <p:txBody>
+              <a:bodyPr/>
+              <a:lstStyle/>
+              <a:p>
+                <a:r>
+                  <a:rPr lang="en-US">
+                    <a:noFill/>
+                  </a:rPr>
+                  <a:t> </a:t>
+                </a:r>
+              </a:p>
+            </p:txBody>
+          </p:sp>
+        </mc:Fallback>
+      </mc:AlternateContent>
+      <mc:AlternateContent xmlns:mc="http://schemas.openxmlformats.org/markup-compatibility/2006">
+        <mc:Choice xmlns:a14="http://schemas.microsoft.com/office/drawing/2010/main" Requires="a14">
+          <p:sp>
+            <p:nvSpPr>
+              <p:cNvPr id="7" name="TextBox 6">
+                <a:extLst>
+                  <a:ext uri="{FF2B5EF4-FFF2-40B4-BE49-F238E27FC236}">
+                    <a16:creationId xmlns:a16="http://schemas.microsoft.com/office/drawing/2014/main" id="{4ED51F71-3776-0839-C045-4E60EA13AE83}"/>
+                  </a:ext>
+                </a:extLst>
+              </p:cNvPr>
+              <p:cNvSpPr txBox="1"/>
+              <p:nvPr/>
+            </p:nvSpPr>
+            <p:spPr>
+              <a:xfrm>
+                <a:off x="5664613" y="3291840"/>
+                <a:ext cx="2874761" cy="276999"/>
+              </a:xfrm>
+              <a:prstGeom prst="rect">
+                <a:avLst/>
+              </a:prstGeom>
+              <a:noFill/>
+            </p:spPr>
+            <p:txBody>
+              <a:bodyPr wrap="none" lIns="0" tIns="0" rIns="0" bIns="0" rtlCol="0">
+                <a:spAutoFit/>
+              </a:bodyPr>
+              <a:lstStyle/>
+              <a:p>
+                <a14:m>
+                  <m:oMathPara xmlns:m="http://schemas.openxmlformats.org/officeDocument/2006/math">
+                    <m:oMathParaPr>
+                      <m:jc m:val="centerGroup"/>
+                    </m:oMathParaPr>
+                    <m:oMath xmlns:m="http://schemas.openxmlformats.org/officeDocument/2006/math">
+                      <m:r>
+                        <a:rPr lang="en-US" b="0" i="1" smtClean="0">
+                          <a:latin typeface="Cambria Math" panose="02040503050406030204" pitchFamily="18" charset="0"/>
+                        </a:rPr>
+                        <m:t>𝐹</m:t>
+                      </m:r>
+                      <m:d>
+                        <m:dPr>
+                          <m:ctrlPr>
+                            <a:rPr lang="en-US" i="1" smtClean="0">
+                              <a:latin typeface="Cambria Math" panose="02040503050406030204" pitchFamily="18" charset="0"/>
+                            </a:rPr>
+                          </m:ctrlPr>
+                        </m:dPr>
+                        <m:e>
+                          <m:sSub>
+                            <m:sSubPr>
+                              <m:ctrlPr>
+                                <a:rPr lang="en-US" i="1" smtClean="0">
+                                  <a:latin typeface="Cambria Math" panose="02040503050406030204" pitchFamily="18" charset="0"/>
+                                </a:rPr>
+                              </m:ctrlPr>
+                            </m:sSubPr>
+                            <m:e>
+                              <m:r>
+                                <a:rPr lang="en-US" b="0" i="1" smtClean="0">
+                                  <a:latin typeface="Cambria Math" panose="02040503050406030204" pitchFamily="18" charset="0"/>
+                                </a:rPr>
+                                <m:t>𝑑𝑓</m:t>
+                              </m:r>
+                            </m:e>
+                            <m:sub>
+                              <m:r>
+                                <a:rPr lang="en-US" b="0" i="1" smtClean="0">
+                                  <a:latin typeface="Cambria Math" panose="02040503050406030204" pitchFamily="18" charset="0"/>
+                                </a:rPr>
+                                <m:t>𝑛</m:t>
+                              </m:r>
+                            </m:sub>
+                          </m:sSub>
+                          <m:r>
+                            <a:rPr lang="en-US" b="0" i="1" smtClean="0">
+                              <a:latin typeface="Cambria Math" panose="02040503050406030204" pitchFamily="18" charset="0"/>
+                            </a:rPr>
+                            <m:t>,</m:t>
+                          </m:r>
+                          <m:sSub>
+                            <m:sSubPr>
+                              <m:ctrlPr>
+                                <a:rPr lang="en-US" b="0" i="1" smtClean="0">
+                                  <a:latin typeface="Cambria Math" panose="02040503050406030204" pitchFamily="18" charset="0"/>
+                                </a:rPr>
+                              </m:ctrlPr>
+                            </m:sSubPr>
+                            <m:e>
+                              <m:r>
+                                <a:rPr lang="en-US" b="0" i="1" smtClean="0">
+                                  <a:latin typeface="Cambria Math" panose="02040503050406030204" pitchFamily="18" charset="0"/>
+                                </a:rPr>
+                                <m:t>𝑑𝑓</m:t>
+                              </m:r>
+                            </m:e>
+                            <m:sub>
+                              <m:r>
+                                <a:rPr lang="en-US" b="0" i="1" smtClean="0">
+                                  <a:latin typeface="Cambria Math" panose="02040503050406030204" pitchFamily="18" charset="0"/>
+                                </a:rPr>
+                                <m:t>𝑑</m:t>
+                              </m:r>
+                            </m:sub>
+                          </m:sSub>
+                        </m:e>
+                      </m:d>
+                      <m:r>
+                        <a:rPr lang="en-US" i="1" smtClean="0">
+                          <a:latin typeface="Cambria Math" panose="02040503050406030204" pitchFamily="18" charset="0"/>
+                        </a:rPr>
+                        <m:t>=</m:t>
+                      </m:r>
+                      <m:r>
+                        <m:rPr>
+                          <m:sty m:val="p"/>
+                        </m:rPr>
+                        <a:rPr lang="en-US" b="0" i="0" smtClean="0">
+                          <a:latin typeface="Cambria Math" panose="02040503050406030204" pitchFamily="18" charset="0"/>
+                        </a:rPr>
+                        <m:t>X</m:t>
+                      </m:r>
+                      <m:r>
+                        <a:rPr lang="en-US" b="0" i="0" smtClean="0">
+                          <a:latin typeface="Cambria Math" panose="02040503050406030204" pitchFamily="18" charset="0"/>
+                        </a:rPr>
+                        <m:t>.</m:t>
+                      </m:r>
+                      <m:r>
+                        <m:rPr>
+                          <m:sty m:val="p"/>
+                        </m:rPr>
+                        <a:rPr lang="en-US" b="0" i="0" smtClean="0">
+                          <a:latin typeface="Cambria Math" panose="02040503050406030204" pitchFamily="18" charset="0"/>
+                        </a:rPr>
+                        <m:t>xx</m:t>
+                      </m:r>
+                      <m:r>
+                        <a:rPr lang="en-US" b="0" i="0" smtClean="0">
+                          <a:latin typeface="Cambria Math" panose="02040503050406030204" pitchFamily="18" charset="0"/>
+                        </a:rPr>
+                        <m:t>, </m:t>
+                      </m:r>
+                      <m:r>
+                        <a:rPr lang="en-US" b="0" i="1" smtClean="0">
+                          <a:latin typeface="Cambria Math" panose="02040503050406030204" pitchFamily="18" charset="0"/>
+                        </a:rPr>
+                        <m:t>𝑝</m:t>
+                      </m:r>
+                      <m:r>
+                        <a:rPr lang="en-US" b="0" i="0" smtClean="0">
+                          <a:latin typeface="Cambria Math" panose="02040503050406030204" pitchFamily="18" charset="0"/>
+                        </a:rPr>
+                        <m:t>&lt;0.</m:t>
+                      </m:r>
+                      <m:r>
+                        <m:rPr>
+                          <m:sty m:val="p"/>
+                        </m:rPr>
+                        <a:rPr lang="en-US" b="0" i="0" smtClean="0">
+                          <a:latin typeface="Cambria Math" panose="02040503050406030204" pitchFamily="18" charset="0"/>
+                        </a:rPr>
+                        <m:t>yy</m:t>
+                      </m:r>
+                    </m:oMath>
+                  </m:oMathPara>
+                </a14:m>
+                <a:endParaRPr lang="en-US" dirty="0"/>
+              </a:p>
+            </p:txBody>
+          </p:sp>
+        </mc:Choice>
+        <mc:Fallback>
+          <p:sp>
+            <p:nvSpPr>
+              <p:cNvPr id="7" name="TextBox 6">
+                <a:extLst>
+                  <a:ext uri="{FF2B5EF4-FFF2-40B4-BE49-F238E27FC236}">
+                    <a16:creationId xmlns:a16="http://schemas.microsoft.com/office/drawing/2014/main" id="{4ED51F71-3776-0839-C045-4E60EA13AE83}"/>
+                  </a:ext>
+                </a:extLst>
+              </p:cNvPr>
+              <p:cNvSpPr txBox="1">
+                <a:spLocks noRot="1" noChangeAspect="1" noMove="1" noResize="1" noEditPoints="1" noAdjustHandles="1" noChangeArrowheads="1" noChangeShapeType="1" noTextEdit="1"/>
+              </p:cNvSpPr>
+              <p:nvPr/>
+            </p:nvSpPr>
+            <p:spPr>
+              <a:xfrm>
+                <a:off x="5664613" y="3291840"/>
+                <a:ext cx="2874761" cy="276999"/>
+              </a:xfrm>
+              <a:prstGeom prst="rect">
+                <a:avLst/>
+              </a:prstGeom>
+              <a:blipFill>
+                <a:blip r:embed="rId6"/>
+                <a:stretch>
+                  <a:fillRect l="-1483" t="-2222" r="-1483" b="-35556"/>
                 </a:stretch>
               </a:blipFill>
             </p:spPr>
